--- a/High School/Design and Drawing for Production/Unit 1 - Introduction/Section 2 - Drafting As A Problem-Solving Tool/Assets/U1S2 - Problem Solving.pptx
+++ b/High School/Design and Drawing for Production/Unit 1 - Introduction/Section 2 - Drafting As A Problem-Solving Tool/Assets/U1S2 - Problem Solving.pptx
@@ -5,21 +5,20 @@
     <p:sldMasterId id="2147483648" r:id="rId1"/>
   </p:sldMasterIdLst>
   <p:notesMasterIdLst>
-    <p:notesMasterId r:id="rId11"/>
+    <p:notesMasterId r:id="rId10"/>
   </p:notesMasterIdLst>
   <p:handoutMasterIdLst>
-    <p:handoutMasterId r:id="rId12"/>
+    <p:handoutMasterId r:id="rId11"/>
   </p:handoutMasterIdLst>
   <p:sldIdLst>
     <p:sldId id="268" r:id="rId2"/>
     <p:sldId id="271" r:id="rId3"/>
-    <p:sldId id="272" r:id="rId4"/>
-    <p:sldId id="273" r:id="rId5"/>
-    <p:sldId id="274" r:id="rId6"/>
-    <p:sldId id="275" r:id="rId7"/>
-    <p:sldId id="276" r:id="rId8"/>
-    <p:sldId id="277" r:id="rId9"/>
-    <p:sldId id="278" r:id="rId10"/>
+    <p:sldId id="273" r:id="rId4"/>
+    <p:sldId id="274" r:id="rId5"/>
+    <p:sldId id="275" r:id="rId6"/>
+    <p:sldId id="276" r:id="rId7"/>
+    <p:sldId id="277" r:id="rId8"/>
+    <p:sldId id="278" r:id="rId9"/>
   </p:sldIdLst>
   <p:sldSz cx="12192000" cy="6858000"/>
   <p:notesSz cx="6858000" cy="9144000"/>
@@ -222,7 +221,7 @@
           <a:p>
             <a:fld id="{6AC4FB8F-ED15-48AB-97BD-17129D4E699D}" type="datetimeFigureOut">
               <a:rPr lang="en-US" smtClean="0"/>
-              <a:t>9/12/2018</a:t>
+              <a:t>9/8/2020</a:t>
             </a:fld>
             <a:endParaRPr lang="en-US" dirty="0"/>
           </a:p>
@@ -387,7 +386,7 @@
           <a:p>
             <a:fld id="{BBC9D437-CD83-4825-AD0D-5E7B341BC79B}" type="datetimeFigureOut">
               <a:rPr lang="en-US" smtClean="0"/>
-              <a:t>9/12/2018</a:t>
+              <a:t>9/8/2020</a:t>
             </a:fld>
             <a:endParaRPr lang="en-US" dirty="0"/>
           </a:p>
@@ -813,7 +812,7 @@
           <a:p>
             <a:fld id="{85AB7CBB-843F-464A-A764-71D6ADC27CFA}" type="datetime1">
               <a:rPr lang="en-US" smtClean="0"/>
-              <a:t>9/12/2018</a:t>
+              <a:t>9/8/2020</a:t>
             </a:fld>
             <a:endParaRPr lang="en-US" dirty="0"/>
           </a:p>
@@ -998,7 +997,7 @@
           <a:p>
             <a:fld id="{CBEFC03D-3A1F-4813-9337-02411FCC3A9A}" type="datetime1">
               <a:rPr lang="en-US" smtClean="0"/>
-              <a:t>9/12/2018</a:t>
+              <a:t>9/8/2020</a:t>
             </a:fld>
             <a:endParaRPr lang="en-US" dirty="0"/>
           </a:p>
@@ -1196,7 +1195,7 @@
           <a:p>
             <a:fld id="{3D638F79-DFA0-4C26-9553-23A017B69AB6}" type="datetime1">
               <a:rPr lang="en-US" smtClean="0"/>
-              <a:t>9/12/2018</a:t>
+              <a:t>9/8/2020</a:t>
             </a:fld>
             <a:endParaRPr lang="en-US" dirty="0"/>
           </a:p>
@@ -1390,7 +1389,7 @@
           <a:p>
             <a:fld id="{A70B34E7-E1D9-4FBF-A1A0-4009669A00BF}" type="datetime1">
               <a:rPr lang="en-US" smtClean="0"/>
-              <a:t>9/12/2018</a:t>
+              <a:t>9/8/2020</a:t>
             </a:fld>
             <a:endParaRPr lang="en-US" dirty="0"/>
           </a:p>
@@ -1879,7 +1878,7 @@
           <a:p>
             <a:fld id="{7579E8B6-2F47-420B-83EA-EB2285D13EC9}" type="datetime1">
               <a:rPr lang="en-US" smtClean="0"/>
-              <a:t>9/12/2018</a:t>
+              <a:t>9/8/2020</a:t>
             </a:fld>
             <a:endParaRPr lang="en-US" dirty="0"/>
           </a:p>
@@ -2317,7 +2316,7 @@
           <a:p>
             <a:fld id="{2304803D-B10E-4B90-8456-A0E05393E233}" type="datetime1">
               <a:rPr lang="en-US" smtClean="0"/>
-              <a:t>9/12/2018</a:t>
+              <a:t>9/8/2020</a:t>
             </a:fld>
             <a:endParaRPr lang="en-US" dirty="0"/>
           </a:p>
@@ -2450,7 +2449,7 @@
           <a:p>
             <a:fld id="{CCE1E62F-6CCE-4064-96C2-2084AF883904}" type="datetime1">
               <a:rPr lang="en-US" smtClean="0"/>
-              <a:t>9/12/2018</a:t>
+              <a:t>9/8/2020</a:t>
             </a:fld>
             <a:endParaRPr lang="en-US" dirty="0"/>
           </a:p>
@@ -2560,7 +2559,7 @@
           <a:p>
             <a:fld id="{AA615CA6-EC4D-4728-8AA6-534BE7E9B67C}" type="datetime1">
               <a:rPr lang="en-US" smtClean="0"/>
-              <a:t>9/12/2018</a:t>
+              <a:t>9/8/2020</a:t>
             </a:fld>
             <a:endParaRPr lang="en-US" dirty="0"/>
           </a:p>
@@ -2874,7 +2873,7 @@
           <a:p>
             <a:fld id="{A6139942-0A2E-443A-842F-D6DE74360370}" type="datetime1">
               <a:rPr lang="en-US" smtClean="0"/>
-              <a:t>9/12/2018</a:t>
+              <a:t>9/8/2020</a:t>
             </a:fld>
             <a:endParaRPr lang="en-US" dirty="0"/>
           </a:p>
@@ -3391,7 +3390,7 @@
           <a:p>
             <a:fld id="{3F138946-C5C1-4A11-BA69-F12F43F8A94B}" type="datetime1">
               <a:rPr lang="en-US" smtClean="0"/>
-              <a:t>9/12/2018</a:t>
+              <a:t>9/8/2020</a:t>
             </a:fld>
             <a:endParaRPr lang="en-US" dirty="0"/>
           </a:p>
@@ -3806,7 +3805,7 @@
       </a:lvl9pPr>
     </p:otherStyle>
   </p:txStyles>
-  <p:extLst mod="1">
+  <p:extLst>
     <p:ext uri="{27BBF7A9-308A-43DC-89C8-2F10F3537804}">
       <p15:sldGuideLst xmlns:p15="http://schemas.microsoft.com/office/powerpoint/2012/main">
         <p15:guide id="1" orient="horz" pos="2160" userDrawn="1">
@@ -4093,7 +4092,13 @@
       </p:grpSpPr>
       <p:sp>
         <p:nvSpPr>
-          <p:cNvPr id="2" name="Title 1"/>
+          <p:cNvPr id="2" name="Title 1">
+            <a:extLst>
+              <a:ext uri="{FF2B5EF4-FFF2-40B4-BE49-F238E27FC236}">
+                <a16:creationId xmlns:a16="http://schemas.microsoft.com/office/drawing/2014/main" id="{6EB7E60B-0407-49C9-859B-454BE8B10130}"/>
+              </a:ext>
+            </a:extLst>
+          </p:cNvPr>
           <p:cNvSpPr>
             <a:spLocks noGrp="1"/>
           </p:cNvSpPr>
@@ -4108,14 +4113,20 @@
           <a:p>
             <a:r>
               <a:rPr lang="en-US" dirty="0"/>
-              <a:t>Google classroom code</a:t>
-            </a:r>
-          </a:p>
-        </p:txBody>
-      </p:sp>
-      <p:sp>
-        <p:nvSpPr>
-          <p:cNvPr id="3" name="Content Placeholder 2"/>
+              <a:t>Problem Solving</a:t>
+            </a:r>
+          </a:p>
+        </p:txBody>
+      </p:sp>
+      <p:sp>
+        <p:nvSpPr>
+          <p:cNvPr id="3" name="Content Placeholder 2">
+            <a:extLst>
+              <a:ext uri="{FF2B5EF4-FFF2-40B4-BE49-F238E27FC236}">
+                <a16:creationId xmlns:a16="http://schemas.microsoft.com/office/drawing/2014/main" id="{43BCE766-81D8-4219-BEA1-BEE99DD43E6B}"/>
+              </a:ext>
+            </a:extLst>
+          </p:cNvPr>
           <p:cNvSpPr>
             <a:spLocks noGrp="1"/>
           </p:cNvSpPr>
@@ -4125,21 +4136,54 @@
         </p:nvSpPr>
         <p:spPr/>
         <p:txBody>
-          <a:bodyPr>
-            <a:normAutofit/>
-          </a:bodyPr>
+          <a:bodyPr/>
           <a:lstStyle/>
           <a:p>
-            <a:pPr marL="0" indent="0" algn="ctr">
-              <a:buNone/>
-            </a:pPr>
-            <a:r>
-              <a:rPr lang="en-US" sz="16900" b="1"/>
-              <a:t>okia9n</a:t>
-            </a:r>
-            <a:endParaRPr lang="en-US" sz="16900" b="1" dirty="0">
-              <a:cs typeface="Arial" pitchFamily="34" charset="0"/>
-            </a:endParaRPr>
+            <a:r>
+              <a:rPr lang="en-US" dirty="0"/>
+              <a:t>Process of seeking practical solutions to a problem</a:t>
+            </a:r>
+          </a:p>
+          <a:p>
+            <a:r>
+              <a:rPr lang="en-US" dirty="0"/>
+              <a:t>Problems can be classified as 2 types:</a:t>
+            </a:r>
+          </a:p>
+          <a:p>
+            <a:pPr lvl="1"/>
+            <a:r>
+              <a:rPr lang="en-US" dirty="0"/>
+              <a:t>Well-structured</a:t>
+            </a:r>
+          </a:p>
+          <a:p>
+            <a:pPr lvl="2"/>
+            <a:r>
+              <a:rPr lang="en-US" dirty="0"/>
+              <a:t>Only one correct answer with minimal constraints or requirements</a:t>
+            </a:r>
+          </a:p>
+          <a:p>
+            <a:pPr lvl="1"/>
+            <a:r>
+              <a:rPr lang="en-US" dirty="0"/>
+              <a:t>Non-structured</a:t>
+            </a:r>
+          </a:p>
+          <a:p>
+            <a:pPr lvl="2"/>
+            <a:r>
+              <a:rPr lang="en-US" dirty="0"/>
+              <a:t>Vary in correct solutions, could easily be more then one</a:t>
+            </a:r>
+          </a:p>
+          <a:p>
+            <a:pPr lvl="2"/>
+            <a:r>
+              <a:rPr lang="en-US" dirty="0"/>
+              <a:t>Typical solved by creative problem solving</a:t>
+            </a:r>
           </a:p>
         </p:txBody>
       </p:sp>
@@ -4148,7 +4192,7 @@
           <p:cNvPr id="4" name="Footer Placeholder 3">
             <a:extLst>
               <a:ext uri="{FF2B5EF4-FFF2-40B4-BE49-F238E27FC236}">
-                <a16:creationId xmlns:a16="http://schemas.microsoft.com/office/drawing/2014/main" id="{EADFB87E-2A3F-4815-8F5E-3CF3521EBF24}"/>
+                <a16:creationId xmlns:a16="http://schemas.microsoft.com/office/drawing/2014/main" id="{6DB9D780-312E-4355-8836-981453D50B12}"/>
               </a:ext>
             </a:extLst>
           </p:cNvPr>
@@ -4165,16 +4209,17 @@
           <a:lstStyle/>
           <a:p>
             <a:r>
-              <a:rPr lang="en-US" dirty="0"/>
-              <a:t>Unit 1 – Section 1 - Day 1</a:t>
-            </a:r>
+              <a:rPr lang="en-US"/>
+              <a:t>Add a footer</a:t>
+            </a:r>
+            <a:endParaRPr lang="en-US" dirty="0"/>
           </a:p>
         </p:txBody>
       </p:sp>
     </p:spTree>
     <p:extLst>
       <p:ext uri="{BB962C8B-B14F-4D97-AF65-F5344CB8AC3E}">
-        <p14:creationId xmlns:p14="http://schemas.microsoft.com/office/powerpoint/2010/main" val="1645033752"/>
+        <p14:creationId xmlns:p14="http://schemas.microsoft.com/office/powerpoint/2010/main" val="3493711665"/>
       </p:ext>
     </p:extLst>
   </p:cSld>
@@ -4218,174 +4263,6 @@
           <p:cNvPr id="2" name="Title 1">
             <a:extLst>
               <a:ext uri="{FF2B5EF4-FFF2-40B4-BE49-F238E27FC236}">
-                <a16:creationId xmlns:a16="http://schemas.microsoft.com/office/drawing/2014/main" id="{6EB7E60B-0407-49C9-859B-454BE8B10130}"/>
-              </a:ext>
-            </a:extLst>
-          </p:cNvPr>
-          <p:cNvSpPr>
-            <a:spLocks noGrp="1"/>
-          </p:cNvSpPr>
-          <p:nvPr>
-            <p:ph type="title"/>
-          </p:nvPr>
-        </p:nvSpPr>
-        <p:spPr/>
-        <p:txBody>
-          <a:bodyPr/>
-          <a:lstStyle/>
-          <a:p>
-            <a:r>
-              <a:rPr lang="en-US" dirty="0"/>
-              <a:t>Problem Solving</a:t>
-            </a:r>
-          </a:p>
-        </p:txBody>
-      </p:sp>
-      <p:sp>
-        <p:nvSpPr>
-          <p:cNvPr id="3" name="Content Placeholder 2">
-            <a:extLst>
-              <a:ext uri="{FF2B5EF4-FFF2-40B4-BE49-F238E27FC236}">
-                <a16:creationId xmlns:a16="http://schemas.microsoft.com/office/drawing/2014/main" id="{43BCE766-81D8-4219-BEA1-BEE99DD43E6B}"/>
-              </a:ext>
-            </a:extLst>
-          </p:cNvPr>
-          <p:cNvSpPr>
-            <a:spLocks noGrp="1"/>
-          </p:cNvSpPr>
-          <p:nvPr>
-            <p:ph idx="1"/>
-          </p:nvPr>
-        </p:nvSpPr>
-        <p:spPr/>
-        <p:txBody>
-          <a:bodyPr/>
-          <a:lstStyle/>
-          <a:p>
-            <a:r>
-              <a:rPr lang="en-US" dirty="0"/>
-              <a:t>Process of seeking practical solutions to a problem</a:t>
-            </a:r>
-          </a:p>
-          <a:p>
-            <a:r>
-              <a:rPr lang="en-US" dirty="0"/>
-              <a:t>Problems can be classified as 2 types:</a:t>
-            </a:r>
-          </a:p>
-          <a:p>
-            <a:pPr lvl="1"/>
-            <a:r>
-              <a:rPr lang="en-US" dirty="0"/>
-              <a:t>Well-structured</a:t>
-            </a:r>
-          </a:p>
-          <a:p>
-            <a:pPr lvl="2"/>
-            <a:r>
-              <a:rPr lang="en-US" dirty="0"/>
-              <a:t>Only one correct answer with minimal constraints or requirements</a:t>
-            </a:r>
-          </a:p>
-          <a:p>
-            <a:pPr lvl="1"/>
-            <a:r>
-              <a:rPr lang="en-US" dirty="0"/>
-              <a:t>Non-structured</a:t>
-            </a:r>
-          </a:p>
-          <a:p>
-            <a:pPr lvl="2"/>
-            <a:r>
-              <a:rPr lang="en-US" dirty="0"/>
-              <a:t>Vary in correct solutions, could easily be more then one</a:t>
-            </a:r>
-          </a:p>
-          <a:p>
-            <a:pPr lvl="2"/>
-            <a:r>
-              <a:rPr lang="en-US" dirty="0"/>
-              <a:t>Typical solved by creative problem solving</a:t>
-            </a:r>
-          </a:p>
-        </p:txBody>
-      </p:sp>
-      <p:sp>
-        <p:nvSpPr>
-          <p:cNvPr id="4" name="Footer Placeholder 3">
-            <a:extLst>
-              <a:ext uri="{FF2B5EF4-FFF2-40B4-BE49-F238E27FC236}">
-                <a16:creationId xmlns:a16="http://schemas.microsoft.com/office/drawing/2014/main" id="{6DB9D780-312E-4355-8836-981453D50B12}"/>
-              </a:ext>
-            </a:extLst>
-          </p:cNvPr>
-          <p:cNvSpPr>
-            <a:spLocks noGrp="1"/>
-          </p:cNvSpPr>
-          <p:nvPr>
-            <p:ph type="ftr" sz="quarter" idx="11"/>
-          </p:nvPr>
-        </p:nvSpPr>
-        <p:spPr/>
-        <p:txBody>
-          <a:bodyPr/>
-          <a:lstStyle/>
-          <a:p>
-            <a:r>
-              <a:rPr lang="en-US"/>
-              <a:t>Add a footer</a:t>
-            </a:r>
-            <a:endParaRPr lang="en-US" dirty="0"/>
-          </a:p>
-        </p:txBody>
-      </p:sp>
-    </p:spTree>
-    <p:extLst>
-      <p:ext uri="{BB962C8B-B14F-4D97-AF65-F5344CB8AC3E}">
-        <p14:creationId xmlns:p14="http://schemas.microsoft.com/office/powerpoint/2010/main" val="3493711665"/>
-      </p:ext>
-    </p:extLst>
-  </p:cSld>
-  <p:clrMapOvr>
-    <a:masterClrMapping/>
-  </p:clrMapOvr>
-  <mc:AlternateContent xmlns:mc="http://schemas.openxmlformats.org/markup-compatibility/2006" xmlns:p14="http://schemas.microsoft.com/office/powerpoint/2010/main">
-    <mc:Choice Requires="p14">
-      <p:transition spd="med" p14:dur="700">
-        <p:fade/>
-      </p:transition>
-    </mc:Choice>
-    <mc:Fallback xmlns="">
-      <p:transition spd="med">
-        <p:fade/>
-      </p:transition>
-    </mc:Fallback>
-  </mc:AlternateContent>
-</p:sld>
-</file>
-
-<file path=ppt/slides/slide5.xml><?xml version="1.0" encoding="utf-8"?>
-<p:sld xmlns:a="http://schemas.openxmlformats.org/drawingml/2006/main" xmlns:r="http://schemas.openxmlformats.org/officeDocument/2006/relationships" xmlns:p="http://schemas.openxmlformats.org/presentationml/2006/main">
-  <p:cSld>
-    <p:spTree>
-      <p:nvGrpSpPr>
-        <p:cNvPr id="1" name=""/>
-        <p:cNvGrpSpPr/>
-        <p:nvPr/>
-      </p:nvGrpSpPr>
-      <p:grpSpPr>
-        <a:xfrm>
-          <a:off x="0" y="0"/>
-          <a:ext cx="0" cy="0"/>
-          <a:chOff x="0" y="0"/>
-          <a:chExt cx="0" cy="0"/>
-        </a:xfrm>
-      </p:grpSpPr>
-      <p:sp>
-        <p:nvSpPr>
-          <p:cNvPr id="2" name="Title 1">
-            <a:extLst>
-              <a:ext uri="{FF2B5EF4-FFF2-40B4-BE49-F238E27FC236}">
                 <a16:creationId xmlns:a16="http://schemas.microsoft.com/office/drawing/2014/main" id="{39DA4AE4-3600-4D32-B60A-D1E8C1487872}"/>
               </a:ext>
             </a:extLst>
@@ -4524,7 +4401,7 @@
 </p:sld>
 </file>
 
-<file path=ppt/slides/slide6.xml><?xml version="1.0" encoding="utf-8"?>
+<file path=ppt/slides/slide5.xml><?xml version="1.0" encoding="utf-8"?>
 <p:sld xmlns:a="http://schemas.openxmlformats.org/drawingml/2006/main" xmlns:r="http://schemas.openxmlformats.org/officeDocument/2006/relationships" xmlns:p="http://schemas.openxmlformats.org/presentationml/2006/main">
   <p:cSld>
     <p:spTree>
@@ -4642,7 +4519,7 @@
 </p:sld>
 </file>
 
-<file path=ppt/slides/slide7.xml><?xml version="1.0" encoding="utf-8"?>
+<file path=ppt/slides/slide6.xml><?xml version="1.0" encoding="utf-8"?>
 <p:sld xmlns:a="http://schemas.openxmlformats.org/drawingml/2006/main" xmlns:r="http://schemas.openxmlformats.org/officeDocument/2006/relationships" xmlns:p="http://schemas.openxmlformats.org/presentationml/2006/main">
   <p:cSld>
     <p:spTree>
@@ -4760,7 +4637,7 @@
 </p:sld>
 </file>
 
-<file path=ppt/slides/slide8.xml><?xml version="1.0" encoding="utf-8"?>
+<file path=ppt/slides/slide7.xml><?xml version="1.0" encoding="utf-8"?>
 <p:sld xmlns:a="http://schemas.openxmlformats.org/drawingml/2006/main" xmlns:r="http://schemas.openxmlformats.org/officeDocument/2006/relationships" xmlns:p="http://schemas.openxmlformats.org/presentationml/2006/main">
   <p:cSld>
     <p:spTree>
@@ -4958,7 +4835,7 @@
 </p:sld>
 </file>
 
-<file path=ppt/slides/slide9.xml><?xml version="1.0" encoding="utf-8"?>
+<file path=ppt/slides/slide8.xml><?xml version="1.0" encoding="utf-8"?>
 <p:sld xmlns:a="http://schemas.openxmlformats.org/drawingml/2006/main" xmlns:r="http://schemas.openxmlformats.org/officeDocument/2006/relationships" xmlns:p="http://schemas.openxmlformats.org/presentationml/2006/main">
   <p:cSld>
     <p:spTree>
@@ -5024,9 +4901,18 @@
           <a:bodyPr/>
           <a:lstStyle/>
           <a:p>
+            <a:pPr marL="0" indent="0">
+              <a:buNone/>
+            </a:pPr>
+            <a:r>
+              <a:rPr lang="en-US" b="1" dirty="0"/>
+              <a:t>PROBLEM</a:t>
+            </a:r>
+          </a:p>
+          <a:p>
             <a:r>
               <a:rPr lang="en-US" dirty="0"/>
-              <a:t>PROBLEM : Square your piece of paper and draw a 1/4” border around the inside of your piece of paper.</a:t>
+              <a:t>Roofers routinely lose standard pencils when working on a customers roof but when placed down, they roll off the roof or into a gutter. </a:t>
             </a:r>
           </a:p>
           <a:p>
@@ -5036,33 +4922,18 @@
             <a:endParaRPr lang="en-US" dirty="0"/>
           </a:p>
           <a:p>
+            <a:pPr marL="0" indent="0">
+              <a:buNone/>
+            </a:pPr>
+            <a:r>
+              <a:rPr lang="en-US" b="1" dirty="0"/>
+              <a:t>ACTIVITY</a:t>
+            </a:r>
+          </a:p>
+          <a:p>
             <a:r>
               <a:rPr lang="en-US" dirty="0"/>
-              <a:t>Drafting Board</a:t>
-            </a:r>
-          </a:p>
-          <a:p>
-            <a:r>
-              <a:rPr lang="en-US" dirty="0"/>
-              <a:t>Drafting Dots</a:t>
-            </a:r>
-          </a:p>
-          <a:p>
-            <a:r>
-              <a:rPr lang="en-US" dirty="0"/>
-              <a:t>T-square</a:t>
-            </a:r>
-          </a:p>
-          <a:p>
-            <a:r>
-              <a:rPr lang="en-US" dirty="0"/>
-              <a:t>Architect scale</a:t>
-            </a:r>
-          </a:p>
-          <a:p>
-            <a:r>
-              <a:rPr lang="en-US" dirty="0"/>
-              <a:t>Pencil</a:t>
+              <a:t>Using rough sketches, design AT LEAST 5 different solutions in order to solve the problem.</a:t>
             </a:r>
           </a:p>
           <a:p>
